--- a/media/XPRO-Adapter_WFI32-IoT.pptx
+++ b/media/XPRO-Adapter_WFI32-IoT.pptx
@@ -259,7 +259,7 @@
           <a:p>
             <a:fld id="{5E5DD6A7-C01F-874D-8F0A-96B42F5316C1}" type="datetimeFigureOut">
               <a:rPr lang="en-US" smtClean="0"/>
-              <a:t>1/12/23</a:t>
+              <a:t>1/13/23</a:t>
             </a:fld>
             <a:endParaRPr lang="en-US"/>
           </a:p>
@@ -457,7 +457,7 @@
           <a:p>
             <a:fld id="{5E5DD6A7-C01F-874D-8F0A-96B42F5316C1}" type="datetimeFigureOut">
               <a:rPr lang="en-US" smtClean="0"/>
-              <a:t>1/12/23</a:t>
+              <a:t>1/13/23</a:t>
             </a:fld>
             <a:endParaRPr lang="en-US"/>
           </a:p>
@@ -665,7 +665,7 @@
           <a:p>
             <a:fld id="{5E5DD6A7-C01F-874D-8F0A-96B42F5316C1}" type="datetimeFigureOut">
               <a:rPr lang="en-US" smtClean="0"/>
-              <a:t>1/12/23</a:t>
+              <a:t>1/13/23</a:t>
             </a:fld>
             <a:endParaRPr lang="en-US"/>
           </a:p>
@@ -863,7 +863,7 @@
           <a:p>
             <a:fld id="{5E5DD6A7-C01F-874D-8F0A-96B42F5316C1}" type="datetimeFigureOut">
               <a:rPr lang="en-US" smtClean="0"/>
-              <a:t>1/12/23</a:t>
+              <a:t>1/13/23</a:t>
             </a:fld>
             <a:endParaRPr lang="en-US"/>
           </a:p>
@@ -1138,7 +1138,7 @@
           <a:p>
             <a:fld id="{5E5DD6A7-C01F-874D-8F0A-96B42F5316C1}" type="datetimeFigureOut">
               <a:rPr lang="en-US" smtClean="0"/>
-              <a:t>1/12/23</a:t>
+              <a:t>1/13/23</a:t>
             </a:fld>
             <a:endParaRPr lang="en-US"/>
           </a:p>
@@ -1403,7 +1403,7 @@
           <a:p>
             <a:fld id="{5E5DD6A7-C01F-874D-8F0A-96B42F5316C1}" type="datetimeFigureOut">
               <a:rPr lang="en-US" smtClean="0"/>
-              <a:t>1/12/23</a:t>
+              <a:t>1/13/23</a:t>
             </a:fld>
             <a:endParaRPr lang="en-US"/>
           </a:p>
@@ -1815,7 +1815,7 @@
           <a:p>
             <a:fld id="{5E5DD6A7-C01F-874D-8F0A-96B42F5316C1}" type="datetimeFigureOut">
               <a:rPr lang="en-US" smtClean="0"/>
-              <a:t>1/12/23</a:t>
+              <a:t>1/13/23</a:t>
             </a:fld>
             <a:endParaRPr lang="en-US"/>
           </a:p>
@@ -1956,7 +1956,7 @@
           <a:p>
             <a:fld id="{5E5DD6A7-C01F-874D-8F0A-96B42F5316C1}" type="datetimeFigureOut">
               <a:rPr lang="en-US" smtClean="0"/>
-              <a:t>1/12/23</a:t>
+              <a:t>1/13/23</a:t>
             </a:fld>
             <a:endParaRPr lang="en-US"/>
           </a:p>
@@ -2069,7 +2069,7 @@
           <a:p>
             <a:fld id="{5E5DD6A7-C01F-874D-8F0A-96B42F5316C1}" type="datetimeFigureOut">
               <a:rPr lang="en-US" smtClean="0"/>
-              <a:t>1/12/23</a:t>
+              <a:t>1/13/23</a:t>
             </a:fld>
             <a:endParaRPr lang="en-US"/>
           </a:p>
@@ -2380,7 +2380,7 @@
           <a:p>
             <a:fld id="{5E5DD6A7-C01F-874D-8F0A-96B42F5316C1}" type="datetimeFigureOut">
               <a:rPr lang="en-US" smtClean="0"/>
-              <a:t>1/12/23</a:t>
+              <a:t>1/13/23</a:t>
             </a:fld>
             <a:endParaRPr lang="en-US"/>
           </a:p>
@@ -2668,7 +2668,7 @@
           <a:p>
             <a:fld id="{5E5DD6A7-C01F-874D-8F0A-96B42F5316C1}" type="datetimeFigureOut">
               <a:rPr lang="en-US" smtClean="0"/>
-              <a:t>1/12/23</a:t>
+              <a:t>1/13/23</a:t>
             </a:fld>
             <a:endParaRPr lang="en-US"/>
           </a:p>
@@ -2909,7 +2909,7 @@
           <a:p>
             <a:fld id="{5E5DD6A7-C01F-874D-8F0A-96B42F5316C1}" type="datetimeFigureOut">
               <a:rPr lang="en-US" smtClean="0"/>
-              <a:t>1/12/23</a:t>
+              <a:t>1/13/23</a:t>
             </a:fld>
             <a:endParaRPr lang="en-US"/>
           </a:p>
@@ -3347,8 +3347,8 @@
           </a:stretch>
         </p:blipFill>
         <p:spPr>
-          <a:xfrm>
-            <a:off x="1535538" y="1254051"/>
+          <a:xfrm rot="16200000">
+            <a:off x="1167700" y="-318102"/>
             <a:ext cx="1609696" cy="3129465"/>
           </a:xfrm>
           <a:prstGeom prst="rect">
@@ -3377,8 +3377,8 @@
           </a:stretch>
         </p:blipFill>
         <p:spPr>
-          <a:xfrm>
-            <a:off x="7585034" y="2933149"/>
+          <a:xfrm rot="10800000">
+            <a:off x="7448400" y="419191"/>
             <a:ext cx="3058476" cy="1483361"/>
           </a:xfrm>
           <a:prstGeom prst="rect">
@@ -3646,7 +3646,7 @@
           </a:prstGeom>
           <a:ln w="63500">
             <a:solidFill>
-              <a:srgbClr val="FF0000"/>
+              <a:srgbClr val="00B050"/>
             </a:solidFill>
             <a:headEnd type="triangle"/>
             <a:tailEnd type="triangle"/>
@@ -3680,9 +3680,9 @@
           <p:nvPr/>
         </p:nvSpPr>
         <p:spPr>
-          <a:xfrm rot="16200000">
-            <a:off x="1798502" y="3253224"/>
-            <a:ext cx="1529182" cy="498767"/>
+          <a:xfrm>
+            <a:off x="1481559" y="372105"/>
+            <a:ext cx="1832898" cy="874525"/>
           </a:xfrm>
           <a:prstGeom prst="ellipse">
             <a:avLst/>
@@ -3734,7 +3734,7 @@
           <p:nvPr>
             <p:extLst>
               <p:ext uri="{D42A27DB-BD31-4B8C-83A1-F6EECF244321}">
-                <p14:modId xmlns:p14="http://schemas.microsoft.com/office/powerpoint/2010/main" val="1543525211"/>
+                <p14:modId xmlns:p14="http://schemas.microsoft.com/office/powerpoint/2010/main" val="3438170816"/>
               </p:ext>
             </p:extLst>
           </p:nvPr>
@@ -3844,6 +3844,41 @@
                       <a:pPr algn="ctr"/>
                       <a:r>
                         <a:rPr lang="en-US" dirty="0"/>
+                        <a:t>13</a:t>
+                      </a:r>
+                    </a:p>
+                  </a:txBody>
+                  <a:tcPr/>
+                </a:tc>
+                <a:tc>
+                  <a:txBody>
+                    <a:bodyPr/>
+                    <a:lstStyle/>
+                    <a:p>
+                      <a:pPr algn="ctr"/>
+                      <a:r>
+                        <a:rPr lang="en-US" dirty="0"/>
+                        <a:t>TX</a:t>
+                      </a:r>
+                    </a:p>
+                  </a:txBody>
+                  <a:tcPr/>
+                </a:tc>
+                <a:extLst>
+                  <a:ext uri="{0D108BD9-81ED-4DB2-BD59-A6C34878D82A}">
+                    <a16:rowId xmlns:a16="http://schemas.microsoft.com/office/drawing/2014/main" val="177931357"/>
+                  </a:ext>
+                </a:extLst>
+              </a:tr>
+              <a:tr h="370840">
+                <a:tc>
+                  <a:txBody>
+                    <a:bodyPr/>
+                    <a:lstStyle/>
+                    <a:p>
+                      <a:pPr algn="ctr"/>
+                      <a:r>
+                        <a:rPr lang="en-US" dirty="0"/>
                         <a:t>14</a:t>
                       </a:r>
                     </a:p>
@@ -3866,41 +3901,6 @@
                 </a:tc>
                 <a:extLst>
                   <a:ext uri="{0D108BD9-81ED-4DB2-BD59-A6C34878D82A}">
-                    <a16:rowId xmlns:a16="http://schemas.microsoft.com/office/drawing/2014/main" val="177931357"/>
-                  </a:ext>
-                </a:extLst>
-              </a:tr>
-              <a:tr h="370840">
-                <a:tc>
-                  <a:txBody>
-                    <a:bodyPr/>
-                    <a:lstStyle/>
-                    <a:p>
-                      <a:pPr algn="ctr"/>
-                      <a:r>
-                        <a:rPr lang="en-US" dirty="0"/>
-                        <a:t>13</a:t>
-                      </a:r>
-                    </a:p>
-                  </a:txBody>
-                  <a:tcPr/>
-                </a:tc>
-                <a:tc>
-                  <a:txBody>
-                    <a:bodyPr/>
-                    <a:lstStyle/>
-                    <a:p>
-                      <a:pPr algn="ctr"/>
-                      <a:r>
-                        <a:rPr lang="en-US" dirty="0"/>
-                        <a:t>TX</a:t>
-                      </a:r>
-                    </a:p>
-                  </a:txBody>
-                  <a:tcPr/>
-                </a:tc>
-                <a:extLst>
-                  <a:ext uri="{0D108BD9-81ED-4DB2-BD59-A6C34878D82A}">
                     <a16:rowId xmlns:a16="http://schemas.microsoft.com/office/drawing/2014/main" val="3558617810"/>
                   </a:ext>
                 </a:extLst>
@@ -3979,7 +3979,7 @@
           </a:prstGeom>
           <a:ln w="63500">
             <a:solidFill>
-              <a:srgbClr val="FF0000"/>
+              <a:srgbClr val="0070C0"/>
             </a:solidFill>
             <a:headEnd type="triangle"/>
             <a:tailEnd type="triangle"/>
@@ -4024,7 +4024,7 @@
           </a:prstGeom>
           <a:ln w="63500">
             <a:solidFill>
-              <a:srgbClr val="FF0000"/>
+              <a:srgbClr val="C00000"/>
             </a:solidFill>
             <a:headEnd type="triangle"/>
             <a:tailEnd type="triangle"/>
@@ -4059,8 +4059,8 @@
         </p:nvSpPr>
         <p:spPr>
           <a:xfrm>
-            <a:off x="436597" y="855784"/>
-            <a:ext cx="3877974" cy="400110"/>
+            <a:off x="901777" y="1947"/>
+            <a:ext cx="2648247" cy="400110"/>
           </a:xfrm>
           <a:prstGeom prst="rect">
             <a:avLst/>
@@ -4098,8 +4098,8 @@
         </p:nvSpPr>
         <p:spPr>
           <a:xfrm>
-            <a:off x="7585034" y="2225263"/>
-            <a:ext cx="3058476" cy="707886"/>
+            <a:off x="7093871" y="41672"/>
+            <a:ext cx="3959387" cy="400110"/>
           </a:xfrm>
           <a:prstGeom prst="rect">
             <a:avLst/>
@@ -4137,7 +4137,7 @@
         </p:nvSpPr>
         <p:spPr>
           <a:xfrm>
-            <a:off x="8707272" y="3863002"/>
+            <a:off x="8052836" y="447829"/>
             <a:ext cx="1281098" cy="549417"/>
           </a:xfrm>
           <a:prstGeom prst="ellipse">
@@ -4175,6 +4175,100 @@
           </a:p>
         </p:txBody>
       </p:sp>
+      <p:pic>
+        <p:nvPicPr>
+          <p:cNvPr id="1026" name="Picture 2" descr="image">
+            <a:extLst>
+              <a:ext uri="{FF2B5EF4-FFF2-40B4-BE49-F238E27FC236}">
+                <a16:creationId xmlns:a16="http://schemas.microsoft.com/office/drawing/2014/main" id="{D3D12BC6-28BB-DE3A-FCF4-17AE102A8204}"/>
+              </a:ext>
+            </a:extLst>
+          </p:cNvPr>
+          <p:cNvPicPr>
+            <a:picLocks noChangeAspect="1" noChangeArrowheads="1"/>
+          </p:cNvPicPr>
+          <p:nvPr/>
+        </p:nvPicPr>
+        <p:blipFill>
+          <a:blip r:embed="rId4">
+            <a:extLst>
+              <a:ext uri="{28A0092B-C50C-407E-A947-70E740481C1C}">
+                <a14:useLocalDpi xmlns:a14="http://schemas.microsoft.com/office/drawing/2010/main" val="0"/>
+              </a:ext>
+            </a:extLst>
+          </a:blip>
+          <a:srcRect/>
+          <a:stretch>
+            <a:fillRect/>
+          </a:stretch>
+        </p:blipFill>
+        <p:spPr bwMode="auto">
+          <a:xfrm>
+            <a:off x="901778" y="2121155"/>
+            <a:ext cx="2553100" cy="1905233"/>
+          </a:xfrm>
+          <a:prstGeom prst="rect">
+            <a:avLst/>
+          </a:prstGeom>
+          <a:noFill/>
+          <a:extLst>
+            <a:ext uri="{909E8E84-426E-40DD-AFC4-6F175D3DCCD1}">
+              <a14:hiddenFill xmlns:a14="http://schemas.microsoft.com/office/drawing/2010/main">
+                <a:solidFill>
+                  <a:srgbClr val="FFFFFF"/>
+                </a:solidFill>
+              </a14:hiddenFill>
+            </a:ext>
+          </a:extLst>
+        </p:spPr>
+      </p:pic>
+      <p:pic>
+        <p:nvPicPr>
+          <p:cNvPr id="1032" name="Picture 8">
+            <a:extLst>
+              <a:ext uri="{FF2B5EF4-FFF2-40B4-BE49-F238E27FC236}">
+                <a16:creationId xmlns:a16="http://schemas.microsoft.com/office/drawing/2014/main" id="{58742A3B-549D-2E4A-7E20-CDED3B3B3942}"/>
+              </a:ext>
+            </a:extLst>
+          </p:cNvPr>
+          <p:cNvPicPr>
+            <a:picLocks noChangeAspect="1" noChangeArrowheads="1"/>
+          </p:cNvPicPr>
+          <p:nvPr/>
+        </p:nvPicPr>
+        <p:blipFill>
+          <a:blip r:embed="rId5">
+            <a:extLst>
+              <a:ext uri="{28A0092B-C50C-407E-A947-70E740481C1C}">
+                <a14:useLocalDpi xmlns:a14="http://schemas.microsoft.com/office/drawing/2010/main" val="0"/>
+              </a:ext>
+            </a:extLst>
+          </a:blip>
+          <a:srcRect/>
+          <a:stretch>
+            <a:fillRect/>
+          </a:stretch>
+        </p:blipFill>
+        <p:spPr bwMode="auto">
+          <a:xfrm>
+            <a:off x="7479537" y="2008994"/>
+            <a:ext cx="2925703" cy="2216209"/>
+          </a:xfrm>
+          <a:prstGeom prst="rect">
+            <a:avLst/>
+          </a:prstGeom>
+          <a:noFill/>
+          <a:extLst>
+            <a:ext uri="{909E8E84-426E-40DD-AFC4-6F175D3DCCD1}">
+              <a14:hiddenFill xmlns:a14="http://schemas.microsoft.com/office/drawing/2010/main">
+                <a:solidFill>
+                  <a:srgbClr val="FFFFFF"/>
+                </a:solidFill>
+              </a14:hiddenFill>
+            </a:ext>
+          </a:extLst>
+        </p:spPr>
+      </p:pic>
     </p:spTree>
     <p:extLst>
       <p:ext uri="{BB962C8B-B14F-4D97-AF65-F5344CB8AC3E}">
